--- a/weekly_updates/2023_03_09.pptx
+++ b/weekly_updates/2023_03_09.pptx
@@ -6,6 +6,7 @@
   </p:sldMasterIdLst>
   <p:sldIdLst>
     <p:sldId id="256" r:id="rId2"/>
+    <p:sldId id="257" r:id="rId3"/>
   </p:sldIdLst>
   <p:sldSz cx="12192000" cy="6858000"/>
   <p:notesSz cx="6858000" cy="9144000"/>
@@ -3323,51 +3324,425 @@
       </p:grpSpPr>
       <p:sp>
         <p:nvSpPr>
-          <p:cNvPr id="2" name="Title 1">
-            <a:extLst>
-              <a:ext uri="{FF2B5EF4-FFF2-40B4-BE49-F238E27FC236}">
-                <a16:creationId xmlns:a16="http://schemas.microsoft.com/office/drawing/2014/main" id="{A0679828-C471-C508-B8A6-B4D17AFAE08A}"/>
-              </a:ext>
-            </a:extLst>
-          </p:cNvPr>
-          <p:cNvSpPr>
-            <a:spLocks noGrp="1"/>
-          </p:cNvSpPr>
-          <p:nvPr>
-            <p:ph type="ctrTitle"/>
-          </p:nvPr>
-        </p:nvSpPr>
-        <p:spPr/>
-        <p:txBody>
-          <a:bodyPr/>
-          <a:lstStyle/>
-          <a:p>
-            <a:endParaRPr lang="en-US"/>
-          </a:p>
-        </p:txBody>
-      </p:sp>
-      <p:sp>
-        <p:nvSpPr>
-          <p:cNvPr id="3" name="Subtitle 2">
-            <a:extLst>
-              <a:ext uri="{FF2B5EF4-FFF2-40B4-BE49-F238E27FC236}">
-                <a16:creationId xmlns:a16="http://schemas.microsoft.com/office/drawing/2014/main" id="{EC4E2226-9A04-00F9-ED8E-396467D9C78B}"/>
-              </a:ext>
-            </a:extLst>
-          </p:cNvPr>
-          <p:cNvSpPr>
-            <a:spLocks noGrp="1"/>
-          </p:cNvSpPr>
-          <p:nvPr>
-            <p:ph type="subTitle" idx="1"/>
-          </p:nvPr>
-        </p:nvSpPr>
-        <p:spPr/>
-        <p:txBody>
-          <a:bodyPr/>
-          <a:lstStyle/>
-          <a:p>
-            <a:endParaRPr lang="en-US"/>
+          <p:cNvPr id="4" name="TextBox 3">
+            <a:extLst>
+              <a:ext uri="{FF2B5EF4-FFF2-40B4-BE49-F238E27FC236}">
+                <a16:creationId xmlns:a16="http://schemas.microsoft.com/office/drawing/2014/main" id="{38BAD11E-9CEE-81AF-E751-B5032BE4D9FE}"/>
+              </a:ext>
+            </a:extLst>
+          </p:cNvPr>
+          <p:cNvSpPr txBox="1"/>
+          <p:nvPr/>
+        </p:nvSpPr>
+        <p:spPr>
+          <a:xfrm>
+            <a:off x="249382" y="308758"/>
+            <a:ext cx="3928383" cy="461665"/>
+          </a:xfrm>
+          <a:prstGeom prst="rect">
+            <a:avLst/>
+          </a:prstGeom>
+          <a:noFill/>
+        </p:spPr>
+        <p:txBody>
+          <a:bodyPr wrap="none" rtlCol="0">
+            <a:spAutoFit/>
+          </a:bodyPr>
+          <a:lstStyle/>
+          <a:p>
+            <a:r>
+              <a:rPr lang="en-US" sz="2400" b="1" dirty="0"/>
+              <a:t>Weekly checkin on March 9</a:t>
+            </a:r>
+            <a:r>
+              <a:rPr lang="en-US" sz="2400" b="1" baseline="30000" dirty="0"/>
+              <a:t>th</a:t>
+            </a:r>
+            <a:r>
+              <a:rPr lang="en-US" sz="2400" b="1" dirty="0"/>
+              <a:t> </a:t>
+            </a:r>
+          </a:p>
+        </p:txBody>
+      </p:sp>
+      <p:sp>
+        <p:nvSpPr>
+          <p:cNvPr id="5" name="TextBox 4">
+            <a:extLst>
+              <a:ext uri="{FF2B5EF4-FFF2-40B4-BE49-F238E27FC236}">
+                <a16:creationId xmlns:a16="http://schemas.microsoft.com/office/drawing/2014/main" id="{ABE3DA78-E26B-0215-75F3-27FBB8E18409}"/>
+              </a:ext>
+            </a:extLst>
+          </p:cNvPr>
+          <p:cNvSpPr txBox="1"/>
+          <p:nvPr/>
+        </p:nvSpPr>
+        <p:spPr>
+          <a:xfrm>
+            <a:off x="249382" y="770423"/>
+            <a:ext cx="4441537" cy="461665"/>
+          </a:xfrm>
+          <a:prstGeom prst="rect">
+            <a:avLst/>
+          </a:prstGeom>
+          <a:noFill/>
+        </p:spPr>
+        <p:txBody>
+          <a:bodyPr wrap="none" rtlCol="0">
+            <a:spAutoFit/>
+          </a:bodyPr>
+          <a:lstStyle/>
+          <a:p>
+            <a:r>
+              <a:rPr lang="en-US" sz="2400" dirty="0"/>
+              <a:t>WSe</a:t>
+            </a:r>
+            <a:r>
+              <a:rPr lang="en-US" sz="2400" baseline="-25000" dirty="0"/>
+              <a:t>2</a:t>
+            </a:r>
+            <a:r>
+              <a:rPr lang="en-US" sz="2400" dirty="0"/>
+              <a:t> FETs ambipolarity question</a:t>
+            </a:r>
+          </a:p>
+        </p:txBody>
+      </p:sp>
+      <p:pic>
+        <p:nvPicPr>
+          <p:cNvPr id="1026" name="Picture 2" descr="Fig. 3">
+            <a:extLst>
+              <a:ext uri="{FF2B5EF4-FFF2-40B4-BE49-F238E27FC236}">
+                <a16:creationId xmlns:a16="http://schemas.microsoft.com/office/drawing/2014/main" id="{D84C8726-0DE4-C067-BEC8-D23666552D46}"/>
+              </a:ext>
+            </a:extLst>
+          </p:cNvPr>
+          <p:cNvPicPr>
+            <a:picLocks noChangeAspect="1" noChangeArrowheads="1"/>
+          </p:cNvPicPr>
+          <p:nvPr/>
+        </p:nvPicPr>
+        <p:blipFill rotWithShape="1">
+          <a:blip r:embed="rId2">
+            <a:extLst>
+              <a:ext uri="{28A0092B-C50C-407E-A947-70E740481C1C}">
+                <a14:useLocalDpi xmlns:a14="http://schemas.microsoft.com/office/drawing/2010/main" val="0"/>
+              </a:ext>
+            </a:extLst>
+          </a:blip>
+          <a:srcRect l="-141" r="32699" b="50000"/>
+          <a:stretch/>
+        </p:blipFill>
+        <p:spPr bwMode="auto">
+          <a:xfrm>
+            <a:off x="621105" y="1520041"/>
+            <a:ext cx="5912370" cy="2850078"/>
+          </a:xfrm>
+          <a:prstGeom prst="rect">
+            <a:avLst/>
+          </a:prstGeom>
+          <a:noFill/>
+          <a:extLst>
+            <a:ext uri="{909E8E84-426E-40DD-AFC4-6F175D3DCCD1}">
+              <a14:hiddenFill xmlns:a14="http://schemas.microsoft.com/office/drawing/2010/main">
+                <a:solidFill>
+                  <a:srgbClr val="FFFFFF"/>
+                </a:solidFill>
+              </a14:hiddenFill>
+            </a:ext>
+          </a:extLst>
+        </p:spPr>
+      </p:pic>
+      <p:pic>
+        <p:nvPicPr>
+          <p:cNvPr id="6" name="Picture 5">
+            <a:extLst>
+              <a:ext uri="{FF2B5EF4-FFF2-40B4-BE49-F238E27FC236}">
+                <a16:creationId xmlns:a16="http://schemas.microsoft.com/office/drawing/2014/main" id="{94A3BCE1-285E-8294-BB76-6327684C8F3B}"/>
+              </a:ext>
+            </a:extLst>
+          </p:cNvPr>
+          <p:cNvPicPr>
+            <a:picLocks noChangeAspect="1"/>
+          </p:cNvPicPr>
+          <p:nvPr/>
+        </p:nvPicPr>
+        <p:blipFill rotWithShape="1">
+          <a:blip r:embed="rId3"/>
+          <a:srcRect t="9670" b="7241"/>
+          <a:stretch/>
+        </p:blipFill>
+        <p:spPr>
+          <a:xfrm>
+            <a:off x="9219659" y="3819611"/>
+            <a:ext cx="3190562" cy="2028636"/>
+          </a:xfrm>
+          <a:prstGeom prst="rect">
+            <a:avLst/>
+          </a:prstGeom>
+        </p:spPr>
+      </p:pic>
+      <p:pic>
+        <p:nvPicPr>
+          <p:cNvPr id="7" name="Picture 6">
+            <a:extLst>
+              <a:ext uri="{FF2B5EF4-FFF2-40B4-BE49-F238E27FC236}">
+                <a16:creationId xmlns:a16="http://schemas.microsoft.com/office/drawing/2014/main" id="{0E25AD9E-8F67-D804-CD90-E446D71279F5}"/>
+              </a:ext>
+            </a:extLst>
+          </p:cNvPr>
+          <p:cNvPicPr>
+            <a:picLocks noChangeAspect="1"/>
+          </p:cNvPicPr>
+          <p:nvPr/>
+        </p:nvPicPr>
+        <p:blipFill rotWithShape="1">
+          <a:blip r:embed="rId4"/>
+          <a:srcRect t="9751" r="11480" b="7162"/>
+          <a:stretch/>
+        </p:blipFill>
+        <p:spPr>
+          <a:xfrm>
+            <a:off x="6533475" y="3819611"/>
+            <a:ext cx="2824281" cy="2028635"/>
+          </a:xfrm>
+          <a:prstGeom prst="rect">
+            <a:avLst/>
+          </a:prstGeom>
+        </p:spPr>
+      </p:pic>
+      <p:sp>
+        <p:nvSpPr>
+          <p:cNvPr id="10" name="TextBox 9">
+            <a:extLst>
+              <a:ext uri="{FF2B5EF4-FFF2-40B4-BE49-F238E27FC236}">
+                <a16:creationId xmlns:a16="http://schemas.microsoft.com/office/drawing/2014/main" id="{43649D1A-97D1-F56B-28B7-82D49F9FDA89}"/>
+              </a:ext>
+            </a:extLst>
+          </p:cNvPr>
+          <p:cNvSpPr txBox="1"/>
+          <p:nvPr/>
+        </p:nvSpPr>
+        <p:spPr>
+          <a:xfrm>
+            <a:off x="3351811" y="4180528"/>
+            <a:ext cx="3802769" cy="276999"/>
+          </a:xfrm>
+          <a:prstGeom prst="rect">
+            <a:avLst/>
+          </a:prstGeom>
+          <a:noFill/>
+        </p:spPr>
+        <p:txBody>
+          <a:bodyPr wrap="square">
+            <a:spAutoFit/>
+          </a:bodyPr>
+          <a:lstStyle/>
+          <a:p>
+            <a:r>
+              <a:rPr lang="en-US" sz="1200" b="0" i="1" u="none" strike="noStrike" dirty="0">
+                <a:solidFill>
+                  <a:srgbClr val="222222"/>
+                </a:solidFill>
+                <a:effectLst/>
+                <a:latin typeface="-apple-system"/>
+              </a:rPr>
+              <a:t>NPG Asia Mater</a:t>
+            </a:r>
+            <a:r>
+              <a:rPr lang="en-US" sz="1200" b="0" i="0" u="none" strike="noStrike" dirty="0">
+                <a:solidFill>
+                  <a:srgbClr val="222222"/>
+                </a:solidFill>
+                <a:effectLst/>
+                <a:latin typeface="-apple-system"/>
+              </a:rPr>
+              <a:t> </a:t>
+            </a:r>
+            <a:r>
+              <a:rPr lang="en-US" sz="1200" b="1" i="0" u="none" strike="noStrike" dirty="0">
+                <a:solidFill>
+                  <a:srgbClr val="222222"/>
+                </a:solidFill>
+                <a:effectLst/>
+                <a:latin typeface="-apple-system"/>
+              </a:rPr>
+              <a:t>10</a:t>
+            </a:r>
+            <a:r>
+              <a:rPr lang="en-US" sz="1200" b="0" i="0" u="none" strike="noStrike" dirty="0">
+                <a:solidFill>
+                  <a:srgbClr val="222222"/>
+                </a:solidFill>
+                <a:effectLst/>
+                <a:latin typeface="-apple-system"/>
+              </a:rPr>
+              <a:t>, 703–712 (2018). </a:t>
+            </a:r>
+            <a:endParaRPr lang="en-US" sz="1200" dirty="0"/>
+          </a:p>
+        </p:txBody>
+      </p:sp>
+      <p:pic>
+        <p:nvPicPr>
+          <p:cNvPr id="15" name="Picture 14">
+            <a:extLst>
+              <a:ext uri="{FF2B5EF4-FFF2-40B4-BE49-F238E27FC236}">
+                <a16:creationId xmlns:a16="http://schemas.microsoft.com/office/drawing/2014/main" id="{8F3A60FC-3BCA-E796-013C-059E5D3C82C3}"/>
+              </a:ext>
+            </a:extLst>
+          </p:cNvPr>
+          <p:cNvPicPr>
+            <a:picLocks noChangeAspect="1"/>
+          </p:cNvPicPr>
+          <p:nvPr/>
+        </p:nvPicPr>
+        <p:blipFill>
+          <a:blip r:embed="rId5"/>
+          <a:stretch>
+            <a:fillRect/>
+          </a:stretch>
+        </p:blipFill>
+        <p:spPr>
+          <a:xfrm>
+            <a:off x="7568985" y="895566"/>
+            <a:ext cx="3252762" cy="2549855"/>
+          </a:xfrm>
+          <a:prstGeom prst="rect">
+            <a:avLst/>
+          </a:prstGeom>
+        </p:spPr>
+      </p:pic>
+      <p:sp>
+        <p:nvSpPr>
+          <p:cNvPr id="16" name="TextBox 15">
+            <a:extLst>
+              <a:ext uri="{FF2B5EF4-FFF2-40B4-BE49-F238E27FC236}">
+                <a16:creationId xmlns:a16="http://schemas.microsoft.com/office/drawing/2014/main" id="{93E33536-B48C-2DA6-A01A-98BB779FBB81}"/>
+              </a:ext>
+            </a:extLst>
+          </p:cNvPr>
+          <p:cNvSpPr txBox="1"/>
+          <p:nvPr/>
+        </p:nvSpPr>
+        <p:spPr>
+          <a:xfrm>
+            <a:off x="8520412" y="477639"/>
+            <a:ext cx="2602572" cy="461665"/>
+          </a:xfrm>
+          <a:prstGeom prst="rect">
+            <a:avLst/>
+          </a:prstGeom>
+          <a:noFill/>
+        </p:spPr>
+        <p:txBody>
+          <a:bodyPr wrap="none" rtlCol="0">
+            <a:spAutoFit/>
+          </a:bodyPr>
+          <a:lstStyle/>
+          <a:p>
+            <a:r>
+              <a:rPr lang="en-US" sz="2400" dirty="0" err="1"/>
+              <a:t>Siyuan’s</a:t>
+            </a:r>
+            <a:r>
+              <a:rPr lang="en-US" sz="2400" dirty="0"/>
+              <a:t> device (3L)</a:t>
+            </a:r>
+          </a:p>
+        </p:txBody>
+      </p:sp>
+      <p:sp>
+        <p:nvSpPr>
+          <p:cNvPr id="17" name="TextBox 16">
+            <a:extLst>
+              <a:ext uri="{FF2B5EF4-FFF2-40B4-BE49-F238E27FC236}">
+                <a16:creationId xmlns:a16="http://schemas.microsoft.com/office/drawing/2014/main" id="{AD66722C-4B30-76F4-C090-8DEB81CB3469}"/>
+              </a:ext>
+            </a:extLst>
+          </p:cNvPr>
+          <p:cNvSpPr txBox="1"/>
+          <p:nvPr/>
+        </p:nvSpPr>
+        <p:spPr>
+          <a:xfrm>
+            <a:off x="9357756" y="3320278"/>
+            <a:ext cx="1463991" cy="461665"/>
+          </a:xfrm>
+          <a:prstGeom prst="rect">
+            <a:avLst/>
+          </a:prstGeom>
+          <a:noFill/>
+        </p:spPr>
+        <p:txBody>
+          <a:bodyPr wrap="none" rtlCol="0">
+            <a:spAutoFit/>
+          </a:bodyPr>
+          <a:lstStyle/>
+          <a:p>
+            <a:r>
+              <a:rPr lang="en-US" sz="2400" dirty="0"/>
+              <a:t>My device</a:t>
+            </a:r>
+          </a:p>
+        </p:txBody>
+      </p:sp>
+      <p:sp>
+        <p:nvSpPr>
+          <p:cNvPr id="18" name="TextBox 17">
+            <a:extLst>
+              <a:ext uri="{FF2B5EF4-FFF2-40B4-BE49-F238E27FC236}">
+                <a16:creationId xmlns:a16="http://schemas.microsoft.com/office/drawing/2014/main" id="{DF64A640-5659-1785-E42E-395B083F9714}"/>
+              </a:ext>
+            </a:extLst>
+          </p:cNvPr>
+          <p:cNvSpPr txBox="1"/>
+          <p:nvPr/>
+        </p:nvSpPr>
+        <p:spPr>
+          <a:xfrm>
+            <a:off x="340980" y="4457527"/>
+            <a:ext cx="6192495" cy="2308324"/>
+          </a:xfrm>
+          <a:prstGeom prst="rect">
+            <a:avLst/>
+          </a:prstGeom>
+          <a:noFill/>
+        </p:spPr>
+        <p:txBody>
+          <a:bodyPr wrap="square" rtlCol="0">
+            <a:spAutoFit/>
+          </a:bodyPr>
+          <a:lstStyle/>
+          <a:p>
+            <a:pPr marL="342900" indent="-342900">
+              <a:buFont typeface="Arial" panose="020B0604020202020204" pitchFamily="34" charset="0"/>
+              <a:buChar char="•"/>
+            </a:pPr>
+            <a:r>
+              <a:rPr lang="en-US" sz="2400" dirty="0"/>
+              <a:t>Other studies suggest monolayer WSe2 device doesn’t  easily show ambipolar curve</a:t>
+            </a:r>
+          </a:p>
+          <a:p>
+            <a:pPr marL="342900" indent="-342900">
+              <a:buFont typeface="Arial" panose="020B0604020202020204" pitchFamily="34" charset="0"/>
+              <a:buChar char="•"/>
+            </a:pPr>
+            <a:r>
+              <a:rPr lang="en-US" sz="2400" dirty="0"/>
+              <a:t>Potential question mark on anything thicker than bilayer</a:t>
+            </a:r>
+          </a:p>
+          <a:p>
+            <a:pPr marL="342900" indent="-342900">
+              <a:buFont typeface="Arial" panose="020B0604020202020204" pitchFamily="34" charset="0"/>
+              <a:buChar char="•"/>
+            </a:pPr>
+            <a:r>
+              <a:rPr lang="en-US" sz="2400" dirty="0"/>
+              <a:t>Still, monolayer device looks deeply OFF with both Au and Pd contact</a:t>
+            </a:r>
           </a:p>
         </p:txBody>
       </p:sp>
@@ -3375,6 +3750,181 @@
     <p:extLst>
       <p:ext uri="{BB962C8B-B14F-4D97-AF65-F5344CB8AC3E}">
         <p14:creationId xmlns:p14="http://schemas.microsoft.com/office/powerpoint/2010/main" val="2014020068"/>
+      </p:ext>
+    </p:extLst>
+  </p:cSld>
+  <p:clrMapOvr>
+    <a:masterClrMapping/>
+  </p:clrMapOvr>
+</p:sld>
+</file>
+
+<file path=ppt/slides/slide2.xml><?xml version="1.0" encoding="utf-8"?>
+<p:sld xmlns:a="http://schemas.openxmlformats.org/drawingml/2006/main" xmlns:r="http://schemas.openxmlformats.org/officeDocument/2006/relationships" xmlns:p="http://schemas.openxmlformats.org/presentationml/2006/main">
+  <p:cSld>
+    <p:spTree>
+      <p:nvGrpSpPr>
+        <p:cNvPr id="1" name=""/>
+        <p:cNvGrpSpPr/>
+        <p:nvPr/>
+      </p:nvGrpSpPr>
+      <p:grpSpPr>
+        <a:xfrm>
+          <a:off x="0" y="0"/>
+          <a:ext cx="0" cy="0"/>
+          <a:chOff x="0" y="0"/>
+          <a:chExt cx="0" cy="0"/>
+        </a:xfrm>
+      </p:grpSpPr>
+      <p:sp>
+        <p:nvSpPr>
+          <p:cNvPr id="4" name="TextBox 3">
+            <a:extLst>
+              <a:ext uri="{FF2B5EF4-FFF2-40B4-BE49-F238E27FC236}">
+                <a16:creationId xmlns:a16="http://schemas.microsoft.com/office/drawing/2014/main" id="{38BAD11E-9CEE-81AF-E751-B5032BE4D9FE}"/>
+              </a:ext>
+            </a:extLst>
+          </p:cNvPr>
+          <p:cNvSpPr txBox="1"/>
+          <p:nvPr/>
+        </p:nvSpPr>
+        <p:spPr>
+          <a:xfrm>
+            <a:off x="249382" y="308758"/>
+            <a:ext cx="3928383" cy="461665"/>
+          </a:xfrm>
+          <a:prstGeom prst="rect">
+            <a:avLst/>
+          </a:prstGeom>
+          <a:noFill/>
+        </p:spPr>
+        <p:txBody>
+          <a:bodyPr wrap="none" rtlCol="0">
+            <a:spAutoFit/>
+          </a:bodyPr>
+          <a:lstStyle/>
+          <a:p>
+            <a:r>
+              <a:rPr lang="en-US" sz="2400" b="1" dirty="0"/>
+              <a:t>Weekly checkin on March 9</a:t>
+            </a:r>
+            <a:r>
+              <a:rPr lang="en-US" sz="2400" b="1" baseline="30000" dirty="0"/>
+              <a:t>th</a:t>
+            </a:r>
+            <a:r>
+              <a:rPr lang="en-US" sz="2400" b="1" dirty="0"/>
+              <a:t> </a:t>
+            </a:r>
+          </a:p>
+        </p:txBody>
+      </p:sp>
+      <p:sp>
+        <p:nvSpPr>
+          <p:cNvPr id="5" name="TextBox 4">
+            <a:extLst>
+              <a:ext uri="{FF2B5EF4-FFF2-40B4-BE49-F238E27FC236}">
+                <a16:creationId xmlns:a16="http://schemas.microsoft.com/office/drawing/2014/main" id="{ABE3DA78-E26B-0215-75F3-27FBB8E18409}"/>
+              </a:ext>
+            </a:extLst>
+          </p:cNvPr>
+          <p:cNvSpPr txBox="1"/>
+          <p:nvPr/>
+        </p:nvSpPr>
+        <p:spPr>
+          <a:xfrm>
+            <a:off x="249382" y="770423"/>
+            <a:ext cx="10502299" cy="1569660"/>
+          </a:xfrm>
+          <a:prstGeom prst="rect">
+            <a:avLst/>
+          </a:prstGeom>
+          <a:noFill/>
+        </p:spPr>
+        <p:txBody>
+          <a:bodyPr wrap="none" rtlCol="0">
+            <a:spAutoFit/>
+          </a:bodyPr>
+          <a:lstStyle/>
+          <a:p>
+            <a:r>
+              <a:rPr lang="en-US" sz="2400" dirty="0"/>
+              <a:t>ALD HfO</a:t>
+            </a:r>
+            <a:r>
+              <a:rPr lang="en-US" sz="2400" baseline="-25000" dirty="0"/>
+              <a:t>2</a:t>
+            </a:r>
+            <a:r>
+              <a:rPr lang="en-US" sz="2400" dirty="0"/>
+              <a:t> thermal conductivity question</a:t>
+            </a:r>
+          </a:p>
+          <a:p>
+            <a:pPr marL="342900" indent="-342900">
+              <a:buFont typeface="Arial" panose="020B0604020202020204" pitchFamily="34" charset="0"/>
+              <a:buChar char="•"/>
+            </a:pPr>
+            <a:r>
+              <a:rPr lang="en-US" sz="2400" dirty="0"/>
+              <a:t>It seems like WSe</a:t>
+            </a:r>
+            <a:r>
+              <a:rPr lang="en-US" sz="2400" baseline="-25000" dirty="0"/>
+              <a:t>2</a:t>
+            </a:r>
+            <a:r>
+              <a:rPr lang="en-US" sz="2400" dirty="0"/>
+              <a:t> are all burned after spectroscopic mapping @ 0.6 mW for 5 s</a:t>
+            </a:r>
+          </a:p>
+          <a:p>
+            <a:pPr marL="342900" indent="-342900">
+              <a:buFont typeface="Arial" panose="020B0604020202020204" pitchFamily="34" charset="0"/>
+              <a:buChar char="•"/>
+            </a:pPr>
+            <a:r>
+              <a:rPr lang="en-US" sz="2400" dirty="0"/>
+              <a:t>ALD HfO</a:t>
+            </a:r>
+            <a:r>
+              <a:rPr lang="en-US" sz="2400" baseline="-25000" dirty="0"/>
+              <a:t>2</a:t>
+            </a:r>
+            <a:r>
+              <a:rPr lang="en-US" sz="2400" dirty="0"/>
+              <a:t> reportedly has worse heat conductivity than ALD Al</a:t>
+            </a:r>
+            <a:r>
+              <a:rPr lang="en-US" sz="2400" baseline="-25000" dirty="0"/>
+              <a:t>2</a:t>
+            </a:r>
+            <a:r>
+              <a:rPr lang="en-US" sz="2400" dirty="0"/>
+              <a:t>O</a:t>
+            </a:r>
+            <a:r>
+              <a:rPr lang="en-US" sz="2400" baseline="-25000" dirty="0"/>
+              <a:t>3</a:t>
+            </a:r>
+            <a:endParaRPr lang="en-US" sz="2400" dirty="0"/>
+          </a:p>
+          <a:p>
+            <a:pPr marL="342900" indent="-342900">
+              <a:buFont typeface="Arial" panose="020B0604020202020204" pitchFamily="34" charset="0"/>
+              <a:buChar char="•"/>
+            </a:pPr>
+            <a:r>
+              <a:rPr lang="en-US" sz="2400" dirty="0"/>
+              <a:t>Potential problem for further optical measurements?</a:t>
+            </a:r>
+          </a:p>
+        </p:txBody>
+      </p:sp>
+    </p:spTree>
+    <p:extLst>
+      <p:ext uri="{BB962C8B-B14F-4D97-AF65-F5344CB8AC3E}">
+        <p14:creationId xmlns:p14="http://schemas.microsoft.com/office/powerpoint/2010/main" val="1285107342"/>
       </p:ext>
     </p:extLst>
   </p:cSld>
